--- a/doc/Présentation_finale.pptx
+++ b/doc/Présentation_finale.pptx
@@ -8789,7 +8789,7 @@
         <a:p>
           <a:r>
             <a:rPr lang="en-US" dirty="0"/>
-            <a:t>BETHIER Pierre-Antoine</a:t>
+            <a:t>BERTHIER Pierre-Antoine</a:t>
           </a:r>
           <a:endParaRPr lang="fr-FR" dirty="0"/>
         </a:p>
@@ -13099,7 +13099,7 @@
           </a:pPr>
           <a:r>
             <a:rPr lang="en-US" sz="3100" kern="1200" dirty="0"/>
-            <a:t>BETHIER Pierre-Antoine</a:t>
+            <a:t>BERTHIER Pierre-Antoine</a:t>
           </a:r>
           <a:endParaRPr lang="fr-FR" sz="3100" kern="1200" dirty="0"/>
         </a:p>
@@ -29490,7 +29490,7 @@
           <a:p>
             <a:fld id="{72D658AD-667A-447C-9390-E71043034E97}" type="datetimeFigureOut">
               <a:rPr lang="fr-FR" smtClean="0"/>
-              <a:t>23/09/2020</a:t>
+              <a:t>10/02/2024</a:t>
             </a:fld>
             <a:endParaRPr lang="fr-FR"/>
           </a:p>
@@ -29667,7 +29667,7 @@
           <a:p>
             <a:fld id="{F9CE04F4-FA29-4B09-BCF4-65FEC86DEAEF}" type="datetimeFigureOut">
               <a:rPr lang="fr-FR" smtClean="0"/>
-              <a:t>23/09/2020</a:t>
+              <a:t>10/02/2024</a:t>
             </a:fld>
             <a:endParaRPr lang="fr-FR" dirty="0"/>
           </a:p>
@@ -30433,7 +30433,7 @@
             <a:pPr rtl="0"/>
             <a:fld id="{A19D660A-ECF6-481C-9B60-C152AC7044BB}" type="datetime1">
               <a:rPr lang="fr-FR" noProof="0" smtClean="0"/>
-              <a:t>23/09/2020</a:t>
+              <a:t>10/02/2024</a:t>
             </a:fld>
             <a:endParaRPr lang="fr-FR" noProof="0"/>
           </a:p>
@@ -30698,7 +30698,7 @@
             <a:pPr rtl="0"/>
             <a:fld id="{6444B737-BAAB-4FD6-992F-98A387278F79}" type="datetime1">
               <a:rPr lang="fr-FR" noProof="0" smtClean="0"/>
-              <a:t>23/09/2020</a:t>
+              <a:t>10/02/2024</a:t>
             </a:fld>
             <a:endParaRPr lang="fr-FR" noProof="0"/>
           </a:p>
@@ -30936,7 +30936,7 @@
             <a:pPr rtl="0"/>
             <a:fld id="{05F38C2D-E1AD-4379-A5CC-F384D07BF2BA}" type="datetime1">
               <a:rPr lang="fr-FR" noProof="0" smtClean="0"/>
-              <a:t>23/09/2020</a:t>
+              <a:t>10/02/2024</a:t>
             </a:fld>
             <a:endParaRPr lang="fr-FR" noProof="0"/>
           </a:p>
@@ -31179,7 +31179,7 @@
             <a:pPr rtl="0"/>
             <a:fld id="{3D36F770-2C02-4913-A33E-F30119A8EF88}" type="datetime1">
               <a:rPr lang="fr-FR" noProof="0" smtClean="0"/>
-              <a:t>23/09/2020</a:t>
+              <a:t>10/02/2024</a:t>
             </a:fld>
             <a:endParaRPr lang="fr-FR" noProof="0"/>
           </a:p>
@@ -31490,7 +31490,7 @@
             <a:pPr rtl="0"/>
             <a:fld id="{E4E4C2E9-EBCE-47E6-B14A-8CCFB5877A3A}" type="datetime1">
               <a:rPr lang="fr-FR" noProof="0" smtClean="0"/>
-              <a:t>23/09/2020</a:t>
+              <a:t>10/02/2024</a:t>
             </a:fld>
             <a:endParaRPr lang="fr-FR" noProof="0"/>
           </a:p>
@@ -31794,7 +31794,7 @@
             <a:pPr rtl="0"/>
             <a:fld id="{796B395B-FC0A-4FB9-AB72-5EAD4FFFCBE3}" type="datetime1">
               <a:rPr lang="fr-FR" noProof="0" smtClean="0"/>
-              <a:t>23/09/2020</a:t>
+              <a:t>10/02/2024</a:t>
             </a:fld>
             <a:endParaRPr lang="fr-FR" noProof="0"/>
           </a:p>
@@ -32218,7 +32218,7 @@
             <a:pPr rtl="0"/>
             <a:fld id="{A7201069-9664-47E2-8F0B-1AE85DF9CFA4}" type="datetime1">
               <a:rPr lang="fr-FR" noProof="0" smtClean="0"/>
-              <a:t>23/09/2020</a:t>
+              <a:t>10/02/2024</a:t>
             </a:fld>
             <a:endParaRPr lang="fr-FR" noProof="0"/>
           </a:p>
@@ -32317,7 +32317,7 @@
             <a:pPr rtl="0"/>
             <a:fld id="{151FAC92-A9AF-4A07-9FBA-F647608AB07B}" type="datetime1">
               <a:rPr lang="fr-FR" noProof="0" smtClean="0"/>
-              <a:t>23/09/2020</a:t>
+              <a:t>10/02/2024</a:t>
             </a:fld>
             <a:endParaRPr lang="fr-FR" noProof="0"/>
           </a:p>
@@ -32483,7 +32483,7 @@
             <a:pPr rtl="0"/>
             <a:fld id="{71DB2C01-F30B-4179-BA04-A8ECE0ECC909}" type="datetime1">
               <a:rPr lang="fr-FR" noProof="0" smtClean="0"/>
-              <a:t>23/09/2020</a:t>
+              <a:t>10/02/2024</a:t>
             </a:fld>
             <a:endParaRPr lang="fr-FR" noProof="0"/>
           </a:p>
@@ -32864,7 +32864,7 @@
             <a:pPr rtl="0"/>
             <a:fld id="{EA7744E9-9648-48DA-B33D-2DEAC9192E81}" type="datetime1">
               <a:rPr lang="fr-FR" noProof="0" smtClean="0"/>
-              <a:t>23/09/2020</a:t>
+              <a:t>10/02/2024</a:t>
             </a:fld>
             <a:endParaRPr lang="fr-FR" noProof="0"/>
           </a:p>
@@ -33157,7 +33157,7 @@
             <a:pPr rtl="0"/>
             <a:fld id="{E780482B-311F-48A8-9A95-A022EF9D97A5}" type="datetime1">
               <a:rPr lang="fr-FR" noProof="0" smtClean="0"/>
-              <a:t>23/09/2020</a:t>
+              <a:t>10/02/2024</a:t>
             </a:fld>
             <a:endParaRPr lang="fr-FR" noProof="0"/>
           </a:p>
@@ -33371,7 +33371,7 @@
             <a:pPr rtl="0"/>
             <a:fld id="{4B992562-C466-488D-88D1-41F3F31AF337}" type="datetime1">
               <a:rPr lang="fr-FR" noProof="0" smtClean="0"/>
-              <a:t>23/09/2020</a:t>
+              <a:t>10/02/2024</a:t>
             </a:fld>
             <a:endParaRPr lang="fr-FR" noProof="0"/>
           </a:p>
@@ -34161,6 +34161,13 @@
               <a:schemeClr val="lt1"/>
             </a:fontRef>
           </p:style>
+          <p:txBody>
+            <a:bodyPr/>
+            <a:lstStyle/>
+            <a:p>
+              <a:endParaRPr lang="fr-FR"/>
+            </a:p>
+          </p:txBody>
         </p:sp>
         <p:sp>
           <p:nvSpPr>
@@ -34213,6 +34220,13 @@
               <a:schemeClr val="lt1"/>
             </a:fontRef>
           </p:style>
+          <p:txBody>
+            <a:bodyPr/>
+            <a:lstStyle/>
+            <a:p>
+              <a:endParaRPr lang="fr-FR"/>
+            </a:p>
+          </p:txBody>
         </p:sp>
         <p:sp>
           <p:nvSpPr>
@@ -34265,6 +34279,13 @@
               <a:schemeClr val="lt1"/>
             </a:fontRef>
           </p:style>
+          <p:txBody>
+            <a:bodyPr/>
+            <a:lstStyle/>
+            <a:p>
+              <a:endParaRPr lang="fr-FR"/>
+            </a:p>
+          </p:txBody>
         </p:sp>
       </p:grpSp>
       <p:sp>
@@ -34322,6 +34343,13 @@
             <a:schemeClr val="lt1"/>
           </a:fontRef>
         </p:style>
+        <p:txBody>
+          <a:bodyPr/>
+          <a:lstStyle/>
+          <a:p>
+            <a:endParaRPr lang="fr-FR"/>
+          </a:p>
+        </p:txBody>
       </p:sp>
       <p:sp>
         <p:nvSpPr>
@@ -34712,7 +34740,7 @@
           <p:nvPr>
             <p:extLst>
               <p:ext uri="{D42A27DB-BD31-4B8C-83A1-F6EECF244321}">
-                <p14:modId xmlns:p14="http://schemas.microsoft.com/office/powerpoint/2010/main" val="3394958385"/>
+                <p14:modId xmlns:p14="http://schemas.microsoft.com/office/powerpoint/2010/main" val="1646627160"/>
               </p:ext>
             </p:extLst>
           </p:nvPr>
@@ -34913,6 +34941,13 @@
             <a:schemeClr val="lt1"/>
           </a:fontRef>
         </p:style>
+        <p:txBody>
+          <a:bodyPr/>
+          <a:lstStyle/>
+          <a:p>
+            <a:endParaRPr lang="fr-FR"/>
+          </a:p>
+        </p:txBody>
       </p:sp>
       <p:sp>
         <p:nvSpPr>
@@ -35139,6 +35174,13 @@
               <a:schemeClr val="lt1"/>
             </a:fontRef>
           </p:style>
+          <p:txBody>
+            <a:bodyPr/>
+            <a:lstStyle/>
+            <a:p>
+              <a:endParaRPr lang="fr-FR"/>
+            </a:p>
+          </p:txBody>
         </p:sp>
         <p:sp>
           <p:nvSpPr>
@@ -35191,6 +35233,13 @@
               <a:schemeClr val="lt1"/>
             </a:fontRef>
           </p:style>
+          <p:txBody>
+            <a:bodyPr/>
+            <a:lstStyle/>
+            <a:p>
+              <a:endParaRPr lang="fr-FR"/>
+            </a:p>
+          </p:txBody>
         </p:sp>
         <p:sp>
           <p:nvSpPr>
@@ -35243,6 +35292,13 @@
               <a:schemeClr val="lt1"/>
             </a:fontRef>
           </p:style>
+          <p:txBody>
+            <a:bodyPr/>
+            <a:lstStyle/>
+            <a:p>
+              <a:endParaRPr lang="fr-FR"/>
+            </a:p>
+          </p:txBody>
         </p:sp>
       </p:grpSp>
       <p:pic>
@@ -35734,6 +35790,13 @@
               <a:schemeClr val="lt1"/>
             </a:fontRef>
           </p:style>
+          <p:txBody>
+            <a:bodyPr/>
+            <a:lstStyle/>
+            <a:p>
+              <a:endParaRPr lang="fr-FR"/>
+            </a:p>
+          </p:txBody>
         </p:sp>
         <p:sp>
           <p:nvSpPr>
@@ -35786,6 +35849,13 @@
               <a:schemeClr val="lt1"/>
             </a:fontRef>
           </p:style>
+          <p:txBody>
+            <a:bodyPr/>
+            <a:lstStyle/>
+            <a:p>
+              <a:endParaRPr lang="fr-FR"/>
+            </a:p>
+          </p:txBody>
         </p:sp>
         <p:sp>
           <p:nvSpPr>
@@ -35838,6 +35908,13 @@
               <a:schemeClr val="lt1"/>
             </a:fontRef>
           </p:style>
+          <p:txBody>
+            <a:bodyPr/>
+            <a:lstStyle/>
+            <a:p>
+              <a:endParaRPr lang="fr-FR"/>
+            </a:p>
+          </p:txBody>
         </p:sp>
       </p:grpSp>
       <p:sp>
@@ -37630,7 +37707,7 @@
           <p:nvPr/>
         </p:nvPicPr>
         <p:blipFill>
-          <a:blip r:embed="rId7">
+          <a:blip>
             <a:extLst>
               <a:ext uri="{28A0092B-C50C-407E-A947-70E740481C1C}">
                 <a14:useLocalDpi xmlns:a14="http://schemas.microsoft.com/office/drawing/2010/main" val="0"/>
@@ -37660,7 +37737,7 @@
           <p:nvPr/>
         </p:nvPicPr>
         <p:blipFill>
-          <a:blip r:embed="rId8">
+          <a:blip r:embed="rId7">
             <a:extLst>
               <a:ext uri="{28A0092B-C50C-407E-A947-70E740481C1C}">
                 <a14:useLocalDpi xmlns:a14="http://schemas.microsoft.com/office/drawing/2010/main" val="0"/>
@@ -38427,6 +38504,13 @@
               </a:schemeClr>
             </a:fontRef>
           </p:style>
+          <p:txBody>
+            <a:bodyPr/>
+            <a:lstStyle/>
+            <a:p>
+              <a:endParaRPr lang="fr-FR"/>
+            </a:p>
+          </p:txBody>
         </p:sp>
         <p:sp>
           <p:nvSpPr>
@@ -38587,6 +38671,13 @@
               <a:schemeClr val="lt1"/>
             </a:fontRef>
           </p:style>
+          <p:txBody>
+            <a:bodyPr/>
+            <a:lstStyle/>
+            <a:p>
+              <a:endParaRPr lang="fr-FR"/>
+            </a:p>
+          </p:txBody>
         </p:sp>
         <p:sp>
           <p:nvSpPr>
@@ -38710,6 +38801,13 @@
               </a:schemeClr>
             </a:fontRef>
           </p:style>
+          <p:txBody>
+            <a:bodyPr/>
+            <a:lstStyle/>
+            <a:p>
+              <a:endParaRPr lang="fr-FR"/>
+            </a:p>
+          </p:txBody>
         </p:sp>
         <p:sp>
           <p:nvSpPr>
@@ -38851,6 +38949,13 @@
               <a:schemeClr val="lt1"/>
             </a:fontRef>
           </p:style>
+          <p:txBody>
+            <a:bodyPr/>
+            <a:lstStyle/>
+            <a:p>
+              <a:endParaRPr lang="fr-FR"/>
+            </a:p>
+          </p:txBody>
         </p:sp>
         <p:sp>
           <p:nvSpPr>
@@ -38974,6 +39079,13 @@
               </a:schemeClr>
             </a:fontRef>
           </p:style>
+          <p:txBody>
+            <a:bodyPr/>
+            <a:lstStyle/>
+            <a:p>
+              <a:endParaRPr lang="fr-FR"/>
+            </a:p>
+          </p:txBody>
         </p:sp>
         <p:sp>
           <p:nvSpPr>
@@ -39111,6 +39223,13 @@
               <a:schemeClr val="lt1"/>
             </a:fontRef>
           </p:style>
+          <p:txBody>
+            <a:bodyPr/>
+            <a:lstStyle/>
+            <a:p>
+              <a:endParaRPr lang="fr-FR"/>
+            </a:p>
+          </p:txBody>
         </p:sp>
         <p:sp>
           <p:nvSpPr>
@@ -39642,6 +39761,13 @@
               </a:schemeClr>
             </a:fontRef>
           </p:style>
+          <p:txBody>
+            <a:bodyPr/>
+            <a:lstStyle/>
+            <a:p>
+              <a:endParaRPr lang="fr-FR"/>
+            </a:p>
+          </p:txBody>
         </p:sp>
         <p:sp>
           <p:nvSpPr>
@@ -39821,6 +39947,13 @@
               <a:schemeClr val="lt1"/>
             </a:fontRef>
           </p:style>
+          <p:txBody>
+            <a:bodyPr/>
+            <a:lstStyle/>
+            <a:p>
+              <a:endParaRPr lang="fr-FR"/>
+            </a:p>
+          </p:txBody>
         </p:sp>
         <p:sp>
           <p:nvSpPr>
@@ -42513,12 +42646,11 @@
 </file>
 
 <file path=customXml/item1.xml><?xml version="1.0" encoding="utf-8"?>
-<?mso-contentType ?>
-<FormTemplates xmlns="http://schemas.microsoft.com/sharepoint/v3/contenttype/forms">
-  <Display>DocumentLibraryForm</Display>
-  <Edit>DocumentLibraryForm</Edit>
-  <New>DocumentLibraryForm</New>
-</FormTemplates>
+<p:properties xmlns:p="http://schemas.microsoft.com/office/2006/metadata/properties" xmlns:xsi="http://www.w3.org/2001/XMLSchema-instance" xmlns:pc="http://schemas.microsoft.com/office/infopath/2007/PartnerControls">
+  <documentManagement>
+    <MediaServiceKeyPoints xmlns="71af3243-3dd4-4a8d-8c0d-dd76da1f02a5" xsi:nil="true"/>
+  </documentManagement>
+</p:properties>
 </file>
 
 <file path=customXml/item2.xml><?xml version="1.0" encoding="utf-8"?>
@@ -42733,17 +42865,20 @@
 </file>
 
 <file path=customXml/item3.xml><?xml version="1.0" encoding="utf-8"?>
-<p:properties xmlns:p="http://schemas.microsoft.com/office/2006/metadata/properties" xmlns:xsi="http://www.w3.org/2001/XMLSchema-instance" xmlns:pc="http://schemas.microsoft.com/office/infopath/2007/PartnerControls">
-  <documentManagement>
-    <MediaServiceKeyPoints xmlns="71af3243-3dd4-4a8d-8c0d-dd76da1f02a5" xsi:nil="true"/>
-  </documentManagement>
-</p:properties>
+<?mso-contentType ?>
+<FormTemplates xmlns="http://schemas.microsoft.com/sharepoint/v3/contenttype/forms">
+  <Display>DocumentLibraryForm</Display>
+  <Edit>DocumentLibraryForm</Edit>
+  <New>DocumentLibraryForm</New>
+</FormTemplates>
 </file>
 
 <file path=customXml/itemProps1.xml><?xml version="1.0" encoding="utf-8"?>
-<ds:datastoreItem xmlns:ds="http://schemas.openxmlformats.org/officeDocument/2006/customXml" ds:itemID="{BA0CF3B2-1F0F-4FC5-8002-3E4869ABAD55}">
+<ds:datastoreItem xmlns:ds="http://schemas.openxmlformats.org/officeDocument/2006/customXml" ds:itemID="{1EBC12AA-1C15-4500-BC9C-8EE83A441DE9}">
   <ds:schemaRefs>
-    <ds:schemaRef ds:uri="http://schemas.microsoft.com/sharepoint/v3/contenttype/forms"/>
+    <ds:schemaRef ds:uri="http://schemas.microsoft.com/office/2006/metadata/properties"/>
+    <ds:schemaRef ds:uri="http://schemas.microsoft.com/office/infopath/2007/PartnerControls"/>
+    <ds:schemaRef ds:uri="71af3243-3dd4-4a8d-8c0d-dd76da1f02a5"/>
   </ds:schemaRefs>
 </ds:datastoreItem>
 </file>
@@ -42768,11 +42903,9 @@
 </file>
 
 <file path=customXml/itemProps3.xml><?xml version="1.0" encoding="utf-8"?>
-<ds:datastoreItem xmlns:ds="http://schemas.openxmlformats.org/officeDocument/2006/customXml" ds:itemID="{1EBC12AA-1C15-4500-BC9C-8EE83A441DE9}">
+<ds:datastoreItem xmlns:ds="http://schemas.openxmlformats.org/officeDocument/2006/customXml" ds:itemID="{BA0CF3B2-1F0F-4FC5-8002-3E4869ABAD55}">
   <ds:schemaRefs>
-    <ds:schemaRef ds:uri="http://schemas.microsoft.com/office/2006/metadata/properties"/>
-    <ds:schemaRef ds:uri="http://schemas.microsoft.com/office/infopath/2007/PartnerControls"/>
-    <ds:schemaRef ds:uri="71af3243-3dd4-4a8d-8c0d-dd76da1f02a5"/>
+    <ds:schemaRef ds:uri="http://schemas.microsoft.com/sharepoint/v3/contenttype/forms"/>
   </ds:schemaRefs>
 </ds:datastoreItem>
 </file>